--- a/STAG PPT.pptx
+++ b/STAG PPT.pptx
@@ -20,6 +20,7 @@
     <p:sldId id="268" r:id="rId14"/>
     <p:sldId id="263" r:id="rId15"/>
     <p:sldId id="271" r:id="rId16"/>
+    <p:sldId id="272" r:id="rId17"/>
   </p:sldIdLst>
   <p:sldSz cx="12192000" cy="6858000"/>
   <p:notesSz cx="6858000" cy="9144000"/>
@@ -321,7 +322,7 @@
             <a:fld id="{B61BEF0D-F0BB-DE4B-95CE-6DB70DBA9567}" type="datetimeFigureOut">
               <a:rPr lang="en-US" smtClean="0"/>
               <a:pPr/>
-              <a:t>2/26/2019</a:t>
+              <a:t>9/11/2019</a:t>
             </a:fld>
             <a:endParaRPr lang="en-US" dirty="0"/>
           </a:p>
@@ -598,7 +599,7 @@
             <a:fld id="{B61BEF0D-F0BB-DE4B-95CE-6DB70DBA9567}" type="datetimeFigureOut">
               <a:rPr lang="en-US" smtClean="0"/>
               <a:pPr/>
-              <a:t>2/26/2019</a:t>
+              <a:t>9/11/2019</a:t>
             </a:fld>
             <a:endParaRPr lang="en-US" dirty="0"/>
           </a:p>
@@ -794,7 +795,7 @@
             <a:fld id="{B61BEF0D-F0BB-DE4B-95CE-6DB70DBA9567}" type="datetimeFigureOut">
               <a:rPr lang="en-US" smtClean="0"/>
               <a:pPr/>
-              <a:t>2/26/2019</a:t>
+              <a:t>9/11/2019</a:t>
             </a:fld>
             <a:endParaRPr lang="en-US" dirty="0"/>
           </a:p>
@@ -1069,7 +1070,7 @@
             <a:fld id="{B61BEF0D-F0BB-DE4B-95CE-6DB70DBA9567}" type="datetimeFigureOut">
               <a:rPr lang="en-US" smtClean="0"/>
               <a:pPr/>
-              <a:t>2/26/2019</a:t>
+              <a:t>9/11/2019</a:t>
             </a:fld>
             <a:endParaRPr lang="en-US" dirty="0"/>
           </a:p>
@@ -1412,7 +1413,7 @@
             <a:fld id="{B61BEF0D-F0BB-DE4B-95CE-6DB70DBA9567}" type="datetimeFigureOut">
               <a:rPr lang="en-US" smtClean="0"/>
               <a:pPr/>
-              <a:t>2/26/2019</a:t>
+              <a:t>9/11/2019</a:t>
             </a:fld>
             <a:endParaRPr lang="en-US" dirty="0"/>
           </a:p>
@@ -2037,7 +2038,7 @@
             <a:fld id="{B61BEF0D-F0BB-DE4B-95CE-6DB70DBA9567}" type="datetimeFigureOut">
               <a:rPr lang="en-US" smtClean="0"/>
               <a:pPr/>
-              <a:t>2/26/2019</a:t>
+              <a:t>9/11/2019</a:t>
             </a:fld>
             <a:endParaRPr lang="en-US" dirty="0"/>
           </a:p>
@@ -2899,7 +2900,7 @@
             <a:fld id="{B61BEF0D-F0BB-DE4B-95CE-6DB70DBA9567}" type="datetimeFigureOut">
               <a:rPr lang="en-US" smtClean="0"/>
               <a:pPr/>
-              <a:t>2/26/2019</a:t>
+              <a:t>9/11/2019</a:t>
             </a:fld>
             <a:endParaRPr lang="en-US" dirty="0"/>
           </a:p>
@@ -3071,7 +3072,7 @@
             <a:fld id="{B61BEF0D-F0BB-DE4B-95CE-6DB70DBA9567}" type="datetimeFigureOut">
               <a:rPr lang="en-US" smtClean="0"/>
               <a:pPr/>
-              <a:t>2/26/2019</a:t>
+              <a:t>9/11/2019</a:t>
             </a:fld>
             <a:endParaRPr lang="en-US" dirty="0"/>
           </a:p>
@@ -3253,7 +3254,7 @@
             <a:fld id="{B61BEF0D-F0BB-DE4B-95CE-6DB70DBA9567}" type="datetimeFigureOut">
               <a:rPr lang="en-US" smtClean="0"/>
               <a:pPr/>
-              <a:t>2/26/2019</a:t>
+              <a:t>9/11/2019</a:t>
             </a:fld>
             <a:endParaRPr lang="en-US" dirty="0"/>
           </a:p>
@@ -3425,7 +3426,7 @@
             <a:fld id="{B61BEF0D-F0BB-DE4B-95CE-6DB70DBA9567}" type="datetimeFigureOut">
               <a:rPr lang="en-US" smtClean="0"/>
               <a:pPr/>
-              <a:t>2/26/2019</a:t>
+              <a:t>9/11/2019</a:t>
             </a:fld>
             <a:endParaRPr lang="en-US" dirty="0"/>
           </a:p>
@@ -3674,7 +3675,7 @@
             <a:fld id="{B61BEF0D-F0BB-DE4B-95CE-6DB70DBA9567}" type="datetimeFigureOut">
               <a:rPr lang="en-US" smtClean="0"/>
               <a:pPr/>
-              <a:t>2/26/2019</a:t>
+              <a:t>9/11/2019</a:t>
             </a:fld>
             <a:endParaRPr lang="en-US" dirty="0"/>
           </a:p>
@@ -3968,7 +3969,7 @@
             <a:fld id="{B61BEF0D-F0BB-DE4B-95CE-6DB70DBA9567}" type="datetimeFigureOut">
               <a:rPr lang="en-US" smtClean="0"/>
               <a:pPr/>
-              <a:t>2/26/2019</a:t>
+              <a:t>9/11/2019</a:t>
             </a:fld>
             <a:endParaRPr lang="en-US" dirty="0"/>
           </a:p>
@@ -4414,7 +4415,7 @@
             <a:fld id="{B61BEF0D-F0BB-DE4B-95CE-6DB70DBA9567}" type="datetimeFigureOut">
               <a:rPr lang="en-US" smtClean="0"/>
               <a:pPr/>
-              <a:t>2/26/2019</a:t>
+              <a:t>9/11/2019</a:t>
             </a:fld>
             <a:endParaRPr lang="en-US" dirty="0"/>
           </a:p>
@@ -4534,7 +4535,7 @@
             <a:fld id="{B61BEF0D-F0BB-DE4B-95CE-6DB70DBA9567}" type="datetimeFigureOut">
               <a:rPr lang="en-US" smtClean="0"/>
               <a:pPr/>
-              <a:t>2/26/2019</a:t>
+              <a:t>9/11/2019</a:t>
             </a:fld>
             <a:endParaRPr lang="en-US" dirty="0"/>
           </a:p>
@@ -4631,7 +4632,7 @@
             <a:fld id="{B61BEF0D-F0BB-DE4B-95CE-6DB70DBA9567}" type="datetimeFigureOut">
               <a:rPr lang="en-US" smtClean="0"/>
               <a:pPr/>
-              <a:t>2/26/2019</a:t>
+              <a:t>9/11/2019</a:t>
             </a:fld>
             <a:endParaRPr lang="en-US" dirty="0"/>
           </a:p>
@@ -4912,7 +4913,7 @@
             <a:fld id="{B61BEF0D-F0BB-DE4B-95CE-6DB70DBA9567}" type="datetimeFigureOut">
               <a:rPr lang="en-US" smtClean="0"/>
               <a:pPr/>
-              <a:t>2/26/2019</a:t>
+              <a:t>9/11/2019</a:t>
             </a:fld>
             <a:endParaRPr lang="en-US" dirty="0"/>
           </a:p>
@@ -5189,7 +5190,7 @@
             <a:fld id="{B61BEF0D-F0BB-DE4B-95CE-6DB70DBA9567}" type="datetimeFigureOut">
               <a:rPr lang="en-US" smtClean="0"/>
               <a:pPr/>
-              <a:t>2/26/2019</a:t>
+              <a:t>9/11/2019</a:t>
             </a:fld>
             <a:endParaRPr lang="en-US" dirty="0"/>
           </a:p>
@@ -5620,7 +5621,7 @@
             <a:fld id="{B61BEF0D-F0BB-DE4B-95CE-6DB70DBA9567}" type="datetimeFigureOut">
               <a:rPr lang="en-US" smtClean="0"/>
               <a:pPr/>
-              <a:t>2/26/2019</a:t>
+              <a:t>9/11/2019</a:t>
             </a:fld>
             <a:endParaRPr lang="en-US" dirty="0"/>
           </a:p>
@@ -6153,7 +6154,6 @@
                 <a:lumMod val="132000"/>
               </a:schemeClr>
             </a:duotone>
-            <a:extLst/>
           </a:blip>
           <a:stretch/>
         </a:blipFill>
@@ -7951,7 +7951,6 @@
                 <a:lumMod val="132000"/>
               </a:schemeClr>
             </a:duotone>
-            <a:extLst/>
           </a:blip>
           <a:stretch/>
         </a:blipFill>
@@ -8363,6 +8362,306 @@
     <p:extLst>
       <p:ext uri="{BB962C8B-B14F-4D97-AF65-F5344CB8AC3E}">
         <p14:creationId xmlns:p14="http://schemas.microsoft.com/office/powerpoint/2010/main" val="1517253620"/>
+      </p:ext>
+    </p:extLst>
+  </p:cSld>
+  <p:clrMapOvr>
+    <a:masterClrMapping/>
+  </p:clrMapOvr>
+</p:sld>
+</file>
+
+<file path=ppt/slides/slide16.xml><?xml version="1.0" encoding="utf-8"?>
+<p:sld xmlns:a="http://schemas.openxmlformats.org/drawingml/2006/main" xmlns:r="http://schemas.openxmlformats.org/officeDocument/2006/relationships" xmlns:p="http://schemas.openxmlformats.org/presentationml/2006/main">
+  <p:cSld>
+    <p:bg>
+      <p:bgPr>
+        <a:blipFill rotWithShape="1">
+          <a:blip r:embed="rId2">
+            <a:duotone>
+              <a:schemeClr val="bg2">
+                <a:shade val="69000"/>
+                <a:hueMod val="108000"/>
+                <a:satMod val="164000"/>
+                <a:lumMod val="74000"/>
+              </a:schemeClr>
+              <a:schemeClr val="bg2">
+                <a:tint val="96000"/>
+                <a:hueMod val="88000"/>
+                <a:satMod val="140000"/>
+                <a:lumMod val="132000"/>
+              </a:schemeClr>
+            </a:duotone>
+          </a:blip>
+          <a:stretch/>
+        </a:blipFill>
+        <a:effectLst/>
+      </p:bgPr>
+    </p:bg>
+    <p:spTree>
+      <p:nvGrpSpPr>
+        <p:cNvPr id="1" name=""/>
+        <p:cNvGrpSpPr/>
+        <p:nvPr/>
+      </p:nvGrpSpPr>
+      <p:grpSpPr>
+        <a:xfrm>
+          <a:off x="0" y="0"/>
+          <a:ext cx="0" cy="0"/>
+          <a:chOff x="0" y="0"/>
+          <a:chExt cx="0" cy="0"/>
+        </a:xfrm>
+      </p:grpSpPr>
+      <p:sp>
+        <p:nvSpPr>
+          <p:cNvPr id="137" name="Rectangle 136">
+            <a:extLst>
+              <a:ext uri="{FF2B5EF4-FFF2-40B4-BE49-F238E27FC236}">
+                <a16:creationId xmlns:a16="http://schemas.microsoft.com/office/drawing/2014/main" id="{8FA13FFF-F97E-4167-8153-7C308935D010}"/>
+              </a:ext>
+              <a:ext uri="{C183D7F6-B498-43B3-948B-1728B52AA6E4}">
+                <adec:decorative xmlns:adec="http://schemas.microsoft.com/office/drawing/2017/decorative" val="1"/>
+              </a:ext>
+            </a:extLst>
+          </p:cNvPr>
+          <p:cNvSpPr>
+            <a:spLocks noGrp="1" noRot="1" noChangeAspect="1" noMove="1" noResize="1" noEditPoints="1" noAdjustHandles="1" noChangeArrowheads="1" noChangeShapeType="1" noTextEdit="1"/>
+          </p:cNvSpPr>
+          <p:nvPr>
+            <p:extLst>
+              <p:ext uri="{386F3935-93C4-4BCD-93E2-E3B085C9AB24}">
+                <p16:designElem xmlns:p16="http://schemas.microsoft.com/office/powerpoint/2015/main" val="1"/>
+              </p:ext>
+            </p:extLst>
+          </p:nvPr>
+        </p:nvSpPr>
+        <p:spPr>
+          <a:xfrm>
+            <a:off x="0" y="0"/>
+            <a:ext cx="12192000" cy="6858000"/>
+          </a:xfrm>
+          <a:prstGeom prst="rect">
+            <a:avLst/>
+          </a:prstGeom>
+          <a:solidFill>
+            <a:schemeClr val="bg2"/>
+          </a:solidFill>
+          <a:ln>
+            <a:noFill/>
+          </a:ln>
+        </p:spPr>
+        <p:style>
+          <a:lnRef idx="2">
+            <a:schemeClr val="accent1">
+              <a:shade val="50000"/>
+            </a:schemeClr>
+          </a:lnRef>
+          <a:fillRef idx="1">
+            <a:schemeClr val="accent1"/>
+          </a:fillRef>
+          <a:effectRef idx="0">
+            <a:schemeClr val="accent1"/>
+          </a:effectRef>
+          <a:fontRef idx="minor">
+            <a:schemeClr val="lt1"/>
+          </a:fontRef>
+        </p:style>
+        <p:txBody>
+          <a:bodyPr rtlCol="0" anchor="ctr"/>
+          <a:lstStyle/>
+          <a:p>
+            <a:pPr algn="ctr"/>
+            <a:endParaRPr lang="en-US"/>
+          </a:p>
+        </p:txBody>
+      </p:sp>
+      <p:pic>
+        <p:nvPicPr>
+          <p:cNvPr id="1026" name="Picture 2">
+            <a:extLst>
+              <a:ext uri="{FF2B5EF4-FFF2-40B4-BE49-F238E27FC236}">
+                <a16:creationId xmlns:a16="http://schemas.microsoft.com/office/drawing/2014/main" id="{313D0557-E3DE-4BF2-82F8-D87838AB033A}"/>
+              </a:ext>
+            </a:extLst>
+          </p:cNvPr>
+          <p:cNvPicPr>
+            <a:picLocks noChangeAspect="1" noChangeArrowheads="1"/>
+          </p:cNvPicPr>
+          <p:nvPr/>
+        </p:nvPicPr>
+        <p:blipFill rotWithShape="1">
+          <a:blip r:embed="rId3">
+            <a:extLst>
+              <a:ext uri="{28A0092B-C50C-407E-A947-70E740481C1C}">
+                <a14:useLocalDpi xmlns:a14="http://schemas.microsoft.com/office/drawing/2010/main" val="0"/>
+              </a:ext>
+            </a:extLst>
+          </a:blip>
+          <a:srcRect t="21040" r="1" b="1"/>
+          <a:stretch/>
+        </p:blipFill>
+        <p:spPr bwMode="auto">
+          <a:xfrm>
+            <a:off x="409838" y="1060027"/>
+            <a:ext cx="5291667" cy="5571066"/>
+          </a:xfrm>
+          <a:prstGeom prst="rect">
+            <a:avLst/>
+          </a:prstGeom>
+          <a:noFill/>
+          <a:extLst>
+            <a:ext uri="{909E8E84-426E-40DD-AFC4-6F175D3DCCD1}">
+              <a14:hiddenFill xmlns:a14="http://schemas.microsoft.com/office/drawing/2010/main">
+                <a:solidFill>
+                  <a:srgbClr val="FFFFFF"/>
+                </a:solidFill>
+              </a14:hiddenFill>
+            </a:ext>
+          </a:extLst>
+        </p:spPr>
+      </p:pic>
+      <p:pic>
+        <p:nvPicPr>
+          <p:cNvPr id="1028" name="Picture 4">
+            <a:extLst>
+              <a:ext uri="{FF2B5EF4-FFF2-40B4-BE49-F238E27FC236}">
+                <a16:creationId xmlns:a16="http://schemas.microsoft.com/office/drawing/2014/main" id="{0243EFD6-676E-4FD7-A5E1-7A986EB6C4E2}"/>
+              </a:ext>
+            </a:extLst>
+          </p:cNvPr>
+          <p:cNvPicPr>
+            <a:picLocks noChangeAspect="1" noChangeArrowheads="1"/>
+          </p:cNvPicPr>
+          <p:nvPr/>
+        </p:nvPicPr>
+        <p:blipFill rotWithShape="1">
+          <a:blip r:embed="rId4">
+            <a:extLst>
+              <a:ext uri="{28A0092B-C50C-407E-A947-70E740481C1C}">
+                <a14:useLocalDpi xmlns:a14="http://schemas.microsoft.com/office/drawing/2010/main" val="0"/>
+              </a:ext>
+            </a:extLst>
+          </a:blip>
+          <a:srcRect l="19675" r="9086" b="-1"/>
+          <a:stretch/>
+        </p:blipFill>
+        <p:spPr bwMode="auto">
+          <a:xfrm>
+            <a:off x="6096000" y="1060027"/>
+            <a:ext cx="5291667" cy="5571066"/>
+          </a:xfrm>
+          <a:prstGeom prst="rect">
+            <a:avLst/>
+          </a:prstGeom>
+          <a:noFill/>
+          <a:extLst>
+            <a:ext uri="{909E8E84-426E-40DD-AFC4-6F175D3DCCD1}">
+              <a14:hiddenFill xmlns:a14="http://schemas.microsoft.com/office/drawing/2010/main">
+                <a:solidFill>
+                  <a:srgbClr val="FFFFFF"/>
+                </a:solidFill>
+              </a14:hiddenFill>
+            </a:ext>
+          </a:extLst>
+        </p:spPr>
+      </p:pic>
+      <p:sp>
+        <p:nvSpPr>
+          <p:cNvPr id="139" name="Rectangle 138">
+            <a:extLst>
+              <a:ext uri="{FF2B5EF4-FFF2-40B4-BE49-F238E27FC236}">
+                <a16:creationId xmlns:a16="http://schemas.microsoft.com/office/drawing/2014/main" id="{50671462-7D07-4DAC-9A76-F29B833606A8}"/>
+              </a:ext>
+              <a:ext uri="{C183D7F6-B498-43B3-948B-1728B52AA6E4}">
+                <adec:decorative xmlns:adec="http://schemas.microsoft.com/office/drawing/2017/decorative" val="1"/>
+              </a:ext>
+            </a:extLst>
+          </p:cNvPr>
+          <p:cNvSpPr>
+            <a:spLocks noGrp="1" noRot="1" noChangeAspect="1" noMove="1" noResize="1" noEditPoints="1" noAdjustHandles="1" noChangeArrowheads="1" noChangeShapeType="1" noTextEdit="1"/>
+          </p:cNvSpPr>
+          <p:nvPr>
+            <p:extLst>
+              <p:ext uri="{386F3935-93C4-4BCD-93E2-E3B085C9AB24}">
+                <p16:designElem xmlns:p16="http://schemas.microsoft.com/office/powerpoint/2015/main" val="1"/>
+              </p:ext>
+            </p:extLst>
+          </p:nvPr>
+        </p:nvSpPr>
+        <p:spPr>
+          <a:xfrm>
+            <a:off x="10437812" y="0"/>
+            <a:ext cx="685800" cy="1143000"/>
+          </a:xfrm>
+          <a:prstGeom prst="rect">
+            <a:avLst/>
+          </a:prstGeom>
+          <a:solidFill>
+            <a:schemeClr val="accent1"/>
+          </a:solidFill>
+          <a:ln>
+            <a:noFill/>
+          </a:ln>
+        </p:spPr>
+        <p:style>
+          <a:lnRef idx="1">
+            <a:schemeClr val="accent1"/>
+          </a:lnRef>
+          <a:fillRef idx="3">
+            <a:schemeClr val="accent1"/>
+          </a:fillRef>
+          <a:effectRef idx="2">
+            <a:schemeClr val="accent1"/>
+          </a:effectRef>
+          <a:fontRef idx="minor">
+            <a:schemeClr val="lt1"/>
+          </a:fontRef>
+        </p:style>
+      </p:sp>
+      <p:sp>
+        <p:nvSpPr>
+          <p:cNvPr id="2" name="TextBox 1">
+            <a:extLst>
+              <a:ext uri="{FF2B5EF4-FFF2-40B4-BE49-F238E27FC236}">
+                <a16:creationId xmlns:a16="http://schemas.microsoft.com/office/drawing/2014/main" id="{DF9C7326-4902-45A6-B3C0-9BB6C0CFF83B}"/>
+              </a:ext>
+            </a:extLst>
+          </p:cNvPr>
+          <p:cNvSpPr txBox="1"/>
+          <p:nvPr/>
+        </p:nvSpPr>
+        <p:spPr>
+          <a:xfrm>
+            <a:off x="660400" y="436880"/>
+            <a:ext cx="2965877" cy="369332"/>
+          </a:xfrm>
+          <a:prstGeom prst="rect">
+            <a:avLst/>
+          </a:prstGeom>
+          <a:noFill/>
+        </p:spPr>
+        <p:txBody>
+          <a:bodyPr wrap="none" rtlCol="0">
+            <a:spAutoFit/>
+          </a:bodyPr>
+          <a:lstStyle/>
+          <a:p>
+            <a:r>
+              <a:rPr lang="en-AU" b="1" dirty="0"/>
+              <a:t>Few </a:t>
+            </a:r>
+            <a:r>
+              <a:rPr lang="en-AU" b="1"/>
+              <a:t>Pics from the session</a:t>
+            </a:r>
+            <a:endParaRPr lang="en-AU" b="1" dirty="0"/>
+          </a:p>
+        </p:txBody>
+      </p:sp>
+    </p:spTree>
+    <p:extLst>
+      <p:ext uri="{BB962C8B-B14F-4D97-AF65-F5344CB8AC3E}">
+        <p14:creationId xmlns:p14="http://schemas.microsoft.com/office/powerpoint/2010/main" val="3307652843"/>
       </p:ext>
     </p:extLst>
   </p:cSld>
@@ -9636,7 +9935,6 @@
                 <a:lumMod val="132000"/>
               </a:schemeClr>
             </a:duotone>
-            <a:extLst/>
           </a:blip>
           <a:stretch/>
         </a:blipFill>
@@ -10790,7 +11088,6 @@
                 <a:lumMod val="132000"/>
               </a:schemeClr>
             </a:duotone>
-            <a:extLst/>
           </a:blip>
           <a:stretch/>
         </a:blipFill>
